--- a/ppt 16-9/0506.我爱中华.pptx
+++ b/ppt 16-9/0506.我爱中华.pptx
@@ -5,7 +5,7 @@
     <p:sldMasterId id="2147483648" r:id="rId1"/>
   </p:sldMasterIdLst>
   <p:sldIdLst>
-    <p:sldId id="3328" r:id="rId2"/>
+    <p:sldId id="3329" r:id="rId2"/>
   </p:sldIdLst>
   <p:sldSz cx="12192000" cy="6858000"/>
   <p:notesSz cx="6858000" cy="9144000"/>
@@ -129,7 +129,7 @@
           <p:cNvPr id="2" name="标题 1">
             <a:extLst>
               <a:ext uri="{FF2B5EF4-FFF2-40B4-BE49-F238E27FC236}">
-                <a16:creationId xmlns:a16="http://schemas.microsoft.com/office/drawing/2014/main" id="{85DEC5EF-C05A-F2A0-7636-DFDB7329C295}"/>
+                <a16:creationId xmlns:a16="http://schemas.microsoft.com/office/drawing/2014/main" id="{103072C7-6251-29D4-DA05-74EDC89FDB23}"/>
               </a:ext>
             </a:extLst>
           </p:cNvPr>
@@ -166,7 +166,7 @@
           <p:cNvPr id="3" name="副标题 2">
             <a:extLst>
               <a:ext uri="{FF2B5EF4-FFF2-40B4-BE49-F238E27FC236}">
-                <a16:creationId xmlns:a16="http://schemas.microsoft.com/office/drawing/2014/main" id="{BE7ECB4D-F2AD-BC47-CAFD-5C76AFBE2D92}"/>
+                <a16:creationId xmlns:a16="http://schemas.microsoft.com/office/drawing/2014/main" id="{7F74F5FF-5FD1-E169-C775-91C1E9CC27A9}"/>
               </a:ext>
             </a:extLst>
           </p:cNvPr>
@@ -236,7 +236,7 @@
           <p:cNvPr id="4" name="日期占位符 3">
             <a:extLst>
               <a:ext uri="{FF2B5EF4-FFF2-40B4-BE49-F238E27FC236}">
-                <a16:creationId xmlns:a16="http://schemas.microsoft.com/office/drawing/2014/main" id="{55504722-99C6-A2AC-4B9E-8DCF3CE30FBF}"/>
+                <a16:creationId xmlns:a16="http://schemas.microsoft.com/office/drawing/2014/main" id="{795CC761-1B91-6D11-1DB2-BE4210A147B1}"/>
               </a:ext>
             </a:extLst>
           </p:cNvPr>
@@ -252,7 +252,7 @@
           <a:bodyPr/>
           <a:lstStyle/>
           <a:p>
-            <a:fld id="{7299DA07-A624-4F8F-A97B-FB0DCDEC74FD}" type="datetimeFigureOut">
+            <a:fld id="{ACA338A1-D5B0-4A49-8A13-7D2DB96BB509}" type="datetimeFigureOut">
               <a:rPr lang="zh-CN" altLang="en-US" smtClean="0"/>
               <a:t>2024/3/10</a:t>
             </a:fld>
@@ -265,7 +265,7 @@
           <p:cNvPr id="5" name="页脚占位符 4">
             <a:extLst>
               <a:ext uri="{FF2B5EF4-FFF2-40B4-BE49-F238E27FC236}">
-                <a16:creationId xmlns:a16="http://schemas.microsoft.com/office/drawing/2014/main" id="{55A065CF-945A-2408-4B62-3100A9F11155}"/>
+                <a16:creationId xmlns:a16="http://schemas.microsoft.com/office/drawing/2014/main" id="{49EC2127-025C-EEE8-E0BE-15836E17B060}"/>
               </a:ext>
             </a:extLst>
           </p:cNvPr>
@@ -290,7 +290,7 @@
           <p:cNvPr id="6" name="灯片编号占位符 5">
             <a:extLst>
               <a:ext uri="{FF2B5EF4-FFF2-40B4-BE49-F238E27FC236}">
-                <a16:creationId xmlns:a16="http://schemas.microsoft.com/office/drawing/2014/main" id="{1F4CA7B3-2DC1-D732-A0E2-F7D71702D983}"/>
+                <a16:creationId xmlns:a16="http://schemas.microsoft.com/office/drawing/2014/main" id="{52B268C8-295F-5900-E7F0-E3A122C58A0A}"/>
               </a:ext>
             </a:extLst>
           </p:cNvPr>
@@ -306,7 +306,7 @@
           <a:bodyPr/>
           <a:lstStyle/>
           <a:p>
-            <a:fld id="{62CEFD42-D30B-4DC9-8717-4A583F103464}" type="slidenum">
+            <a:fld id="{5CA466EA-1709-4B89-849E-6F5C38BAE6AB}" type="slidenum">
               <a:rPr lang="zh-CN" altLang="en-US" smtClean="0"/>
               <a:t>‹#›</a:t>
             </a:fld>
@@ -317,7 +317,7 @@
     </p:spTree>
     <p:extLst>
       <p:ext uri="{BB962C8B-B14F-4D97-AF65-F5344CB8AC3E}">
-        <p14:creationId xmlns:p14="http://schemas.microsoft.com/office/powerpoint/2010/main" val="591649840"/>
+        <p14:creationId xmlns:p14="http://schemas.microsoft.com/office/powerpoint/2010/main" val="1484116753"/>
       </p:ext>
     </p:extLst>
   </p:cSld>
@@ -349,7 +349,7 @@
           <p:cNvPr id="2" name="标题 1">
             <a:extLst>
               <a:ext uri="{FF2B5EF4-FFF2-40B4-BE49-F238E27FC236}">
-                <a16:creationId xmlns:a16="http://schemas.microsoft.com/office/drawing/2014/main" id="{9A9F9A65-28CE-BF3E-3B20-2D9BB81B0FAC}"/>
+                <a16:creationId xmlns:a16="http://schemas.microsoft.com/office/drawing/2014/main" id="{0D20157F-110B-3C05-7D5C-C8D63E44515F}"/>
               </a:ext>
             </a:extLst>
           </p:cNvPr>
@@ -377,7 +377,7 @@
           <p:cNvPr id="3" name="竖排文字占位符 2">
             <a:extLst>
               <a:ext uri="{FF2B5EF4-FFF2-40B4-BE49-F238E27FC236}">
-                <a16:creationId xmlns:a16="http://schemas.microsoft.com/office/drawing/2014/main" id="{007BF05C-3DA6-5F25-2D3F-F4F01B574CCD}"/>
+                <a16:creationId xmlns:a16="http://schemas.microsoft.com/office/drawing/2014/main" id="{E754712A-ABDF-CBA4-5A1D-CD81BC4FF76C}"/>
               </a:ext>
             </a:extLst>
           </p:cNvPr>
@@ -434,7 +434,7 @@
           <p:cNvPr id="4" name="日期占位符 3">
             <a:extLst>
               <a:ext uri="{FF2B5EF4-FFF2-40B4-BE49-F238E27FC236}">
-                <a16:creationId xmlns:a16="http://schemas.microsoft.com/office/drawing/2014/main" id="{2B097F2B-B859-61BA-28CE-93629169AC4B}"/>
+                <a16:creationId xmlns:a16="http://schemas.microsoft.com/office/drawing/2014/main" id="{188E84FB-E642-4BFE-ABB7-B3766D027209}"/>
               </a:ext>
             </a:extLst>
           </p:cNvPr>
@@ -450,7 +450,7 @@
           <a:bodyPr/>
           <a:lstStyle/>
           <a:p>
-            <a:fld id="{7299DA07-A624-4F8F-A97B-FB0DCDEC74FD}" type="datetimeFigureOut">
+            <a:fld id="{ACA338A1-D5B0-4A49-8A13-7D2DB96BB509}" type="datetimeFigureOut">
               <a:rPr lang="zh-CN" altLang="en-US" smtClean="0"/>
               <a:t>2024/3/10</a:t>
             </a:fld>
@@ -463,7 +463,7 @@
           <p:cNvPr id="5" name="页脚占位符 4">
             <a:extLst>
               <a:ext uri="{FF2B5EF4-FFF2-40B4-BE49-F238E27FC236}">
-                <a16:creationId xmlns:a16="http://schemas.microsoft.com/office/drawing/2014/main" id="{54A32EB3-1EF8-357E-FE1B-2241199088EF}"/>
+                <a16:creationId xmlns:a16="http://schemas.microsoft.com/office/drawing/2014/main" id="{B2204C6F-A19F-46D6-32C8-D5F301691DDE}"/>
               </a:ext>
             </a:extLst>
           </p:cNvPr>
@@ -488,7 +488,7 @@
           <p:cNvPr id="6" name="灯片编号占位符 5">
             <a:extLst>
               <a:ext uri="{FF2B5EF4-FFF2-40B4-BE49-F238E27FC236}">
-                <a16:creationId xmlns:a16="http://schemas.microsoft.com/office/drawing/2014/main" id="{E467BB86-FBB8-3E9A-5C05-6E5BFFD6455F}"/>
+                <a16:creationId xmlns:a16="http://schemas.microsoft.com/office/drawing/2014/main" id="{C4EBBA04-7C20-7F8F-5FA3-3DE7A390BED1}"/>
               </a:ext>
             </a:extLst>
           </p:cNvPr>
@@ -504,7 +504,7 @@
           <a:bodyPr/>
           <a:lstStyle/>
           <a:p>
-            <a:fld id="{62CEFD42-D30B-4DC9-8717-4A583F103464}" type="slidenum">
+            <a:fld id="{5CA466EA-1709-4B89-849E-6F5C38BAE6AB}" type="slidenum">
               <a:rPr lang="zh-CN" altLang="en-US" smtClean="0"/>
               <a:t>‹#›</a:t>
             </a:fld>
@@ -515,7 +515,7 @@
     </p:spTree>
     <p:extLst>
       <p:ext uri="{BB962C8B-B14F-4D97-AF65-F5344CB8AC3E}">
-        <p14:creationId xmlns:p14="http://schemas.microsoft.com/office/powerpoint/2010/main" val="3385342494"/>
+        <p14:creationId xmlns:p14="http://schemas.microsoft.com/office/powerpoint/2010/main" val="1209407078"/>
       </p:ext>
     </p:extLst>
   </p:cSld>
@@ -547,7 +547,7 @@
           <p:cNvPr id="2" name="竖排标题 1">
             <a:extLst>
               <a:ext uri="{FF2B5EF4-FFF2-40B4-BE49-F238E27FC236}">
-                <a16:creationId xmlns:a16="http://schemas.microsoft.com/office/drawing/2014/main" id="{7366AB23-4FAC-50CD-6B29-B6FA62936123}"/>
+                <a16:creationId xmlns:a16="http://schemas.microsoft.com/office/drawing/2014/main" id="{4E497629-438E-0730-8EE3-0DD9BB63626E}"/>
               </a:ext>
             </a:extLst>
           </p:cNvPr>
@@ -580,7 +580,7 @@
           <p:cNvPr id="3" name="竖排文字占位符 2">
             <a:extLst>
               <a:ext uri="{FF2B5EF4-FFF2-40B4-BE49-F238E27FC236}">
-                <a16:creationId xmlns:a16="http://schemas.microsoft.com/office/drawing/2014/main" id="{261F65EC-7B92-CDE9-9551-613A7CA0F96F}"/>
+                <a16:creationId xmlns:a16="http://schemas.microsoft.com/office/drawing/2014/main" id="{713B737A-4330-4D8B-2602-279F11D091B0}"/>
               </a:ext>
             </a:extLst>
           </p:cNvPr>
@@ -642,7 +642,7 @@
           <p:cNvPr id="4" name="日期占位符 3">
             <a:extLst>
               <a:ext uri="{FF2B5EF4-FFF2-40B4-BE49-F238E27FC236}">
-                <a16:creationId xmlns:a16="http://schemas.microsoft.com/office/drawing/2014/main" id="{BB9E9273-47B1-FC84-BFA4-CF1A6C1983EA}"/>
+                <a16:creationId xmlns:a16="http://schemas.microsoft.com/office/drawing/2014/main" id="{93F88220-9AE0-F338-A2D9-909168638243}"/>
               </a:ext>
             </a:extLst>
           </p:cNvPr>
@@ -658,7 +658,7 @@
           <a:bodyPr/>
           <a:lstStyle/>
           <a:p>
-            <a:fld id="{7299DA07-A624-4F8F-A97B-FB0DCDEC74FD}" type="datetimeFigureOut">
+            <a:fld id="{ACA338A1-D5B0-4A49-8A13-7D2DB96BB509}" type="datetimeFigureOut">
               <a:rPr lang="zh-CN" altLang="en-US" smtClean="0"/>
               <a:t>2024/3/10</a:t>
             </a:fld>
@@ -671,7 +671,7 @@
           <p:cNvPr id="5" name="页脚占位符 4">
             <a:extLst>
               <a:ext uri="{FF2B5EF4-FFF2-40B4-BE49-F238E27FC236}">
-                <a16:creationId xmlns:a16="http://schemas.microsoft.com/office/drawing/2014/main" id="{9A3A1B29-E9C2-E348-52FB-CB65BDE706B8}"/>
+                <a16:creationId xmlns:a16="http://schemas.microsoft.com/office/drawing/2014/main" id="{1810EBD1-A41C-5884-15AC-668267BA6A11}"/>
               </a:ext>
             </a:extLst>
           </p:cNvPr>
@@ -696,7 +696,7 @@
           <p:cNvPr id="6" name="灯片编号占位符 5">
             <a:extLst>
               <a:ext uri="{FF2B5EF4-FFF2-40B4-BE49-F238E27FC236}">
-                <a16:creationId xmlns:a16="http://schemas.microsoft.com/office/drawing/2014/main" id="{D70E50D2-3F85-7F33-AC91-783E2E614DC5}"/>
+                <a16:creationId xmlns:a16="http://schemas.microsoft.com/office/drawing/2014/main" id="{0B4D6F10-99F0-525E-F955-6542ED1BA0A6}"/>
               </a:ext>
             </a:extLst>
           </p:cNvPr>
@@ -712,7 +712,7 @@
           <a:bodyPr/>
           <a:lstStyle/>
           <a:p>
-            <a:fld id="{62CEFD42-D30B-4DC9-8717-4A583F103464}" type="slidenum">
+            <a:fld id="{5CA466EA-1709-4B89-849E-6F5C38BAE6AB}" type="slidenum">
               <a:rPr lang="zh-CN" altLang="en-US" smtClean="0"/>
               <a:t>‹#›</a:t>
             </a:fld>
@@ -723,7 +723,7 @@
     </p:spTree>
     <p:extLst>
       <p:ext uri="{BB962C8B-B14F-4D97-AF65-F5344CB8AC3E}">
-        <p14:creationId xmlns:p14="http://schemas.microsoft.com/office/powerpoint/2010/main" val="1447088027"/>
+        <p14:creationId xmlns:p14="http://schemas.microsoft.com/office/powerpoint/2010/main" val="1089479888"/>
       </p:ext>
     </p:extLst>
   </p:cSld>
@@ -755,7 +755,7 @@
           <p:cNvPr id="2" name="标题 1">
             <a:extLst>
               <a:ext uri="{FF2B5EF4-FFF2-40B4-BE49-F238E27FC236}">
-                <a16:creationId xmlns:a16="http://schemas.microsoft.com/office/drawing/2014/main" id="{D3159978-F2B1-A065-99B3-D9020CF97E67}"/>
+                <a16:creationId xmlns:a16="http://schemas.microsoft.com/office/drawing/2014/main" id="{813C548C-C6F4-73B2-083E-CB552A3FBFD2}"/>
               </a:ext>
             </a:extLst>
           </p:cNvPr>
@@ -783,7 +783,7 @@
           <p:cNvPr id="3" name="内容占位符 2">
             <a:extLst>
               <a:ext uri="{FF2B5EF4-FFF2-40B4-BE49-F238E27FC236}">
-                <a16:creationId xmlns:a16="http://schemas.microsoft.com/office/drawing/2014/main" id="{438F7B3F-DDC8-A03D-A2F8-9CF8F2C177BC}"/>
+                <a16:creationId xmlns:a16="http://schemas.microsoft.com/office/drawing/2014/main" id="{EE2A3443-3968-EC7C-6ED2-D912DB76E78F}"/>
               </a:ext>
             </a:extLst>
           </p:cNvPr>
@@ -840,7 +840,7 @@
           <p:cNvPr id="4" name="日期占位符 3">
             <a:extLst>
               <a:ext uri="{FF2B5EF4-FFF2-40B4-BE49-F238E27FC236}">
-                <a16:creationId xmlns:a16="http://schemas.microsoft.com/office/drawing/2014/main" id="{808B8F3C-184A-1734-C3B7-0753847BE546}"/>
+                <a16:creationId xmlns:a16="http://schemas.microsoft.com/office/drawing/2014/main" id="{683DB478-336B-6F29-C659-A569E3A7D10B}"/>
               </a:ext>
             </a:extLst>
           </p:cNvPr>
@@ -856,7 +856,7 @@
           <a:bodyPr/>
           <a:lstStyle/>
           <a:p>
-            <a:fld id="{7299DA07-A624-4F8F-A97B-FB0DCDEC74FD}" type="datetimeFigureOut">
+            <a:fld id="{ACA338A1-D5B0-4A49-8A13-7D2DB96BB509}" type="datetimeFigureOut">
               <a:rPr lang="zh-CN" altLang="en-US" smtClean="0"/>
               <a:t>2024/3/10</a:t>
             </a:fld>
@@ -869,7 +869,7 @@
           <p:cNvPr id="5" name="页脚占位符 4">
             <a:extLst>
               <a:ext uri="{FF2B5EF4-FFF2-40B4-BE49-F238E27FC236}">
-                <a16:creationId xmlns:a16="http://schemas.microsoft.com/office/drawing/2014/main" id="{57497EAA-D549-C063-4D2B-454105C03F1E}"/>
+                <a16:creationId xmlns:a16="http://schemas.microsoft.com/office/drawing/2014/main" id="{B0ACF272-72D7-05DD-ABF7-0F2EA8CCF7AD}"/>
               </a:ext>
             </a:extLst>
           </p:cNvPr>
@@ -894,7 +894,7 @@
           <p:cNvPr id="6" name="灯片编号占位符 5">
             <a:extLst>
               <a:ext uri="{FF2B5EF4-FFF2-40B4-BE49-F238E27FC236}">
-                <a16:creationId xmlns:a16="http://schemas.microsoft.com/office/drawing/2014/main" id="{DA02AB07-9AB4-CB1B-3120-FE3E8B9AF0BF}"/>
+                <a16:creationId xmlns:a16="http://schemas.microsoft.com/office/drawing/2014/main" id="{3B280182-4DEB-4499-E5ED-661F78D85757}"/>
               </a:ext>
             </a:extLst>
           </p:cNvPr>
@@ -910,7 +910,7 @@
           <a:bodyPr/>
           <a:lstStyle/>
           <a:p>
-            <a:fld id="{62CEFD42-D30B-4DC9-8717-4A583F103464}" type="slidenum">
+            <a:fld id="{5CA466EA-1709-4B89-849E-6F5C38BAE6AB}" type="slidenum">
               <a:rPr lang="zh-CN" altLang="en-US" smtClean="0"/>
               <a:t>‹#›</a:t>
             </a:fld>
@@ -921,7 +921,7 @@
     </p:spTree>
     <p:extLst>
       <p:ext uri="{BB962C8B-B14F-4D97-AF65-F5344CB8AC3E}">
-        <p14:creationId xmlns:p14="http://schemas.microsoft.com/office/powerpoint/2010/main" val="3332098824"/>
+        <p14:creationId xmlns:p14="http://schemas.microsoft.com/office/powerpoint/2010/main" val="1114303768"/>
       </p:ext>
     </p:extLst>
   </p:cSld>
@@ -953,7 +953,7 @@
           <p:cNvPr id="2" name="标题 1">
             <a:extLst>
               <a:ext uri="{FF2B5EF4-FFF2-40B4-BE49-F238E27FC236}">
-                <a16:creationId xmlns:a16="http://schemas.microsoft.com/office/drawing/2014/main" id="{4F05B53C-6106-5108-0452-A3780DEB9440}"/>
+                <a16:creationId xmlns:a16="http://schemas.microsoft.com/office/drawing/2014/main" id="{38B0D504-96E6-BD96-3340-8C35B467DFDF}"/>
               </a:ext>
             </a:extLst>
           </p:cNvPr>
@@ -990,7 +990,7 @@
           <p:cNvPr id="3" name="文本占位符 2">
             <a:extLst>
               <a:ext uri="{FF2B5EF4-FFF2-40B4-BE49-F238E27FC236}">
-                <a16:creationId xmlns:a16="http://schemas.microsoft.com/office/drawing/2014/main" id="{A94EE33B-261D-3BA6-F355-80B54918F135}"/>
+                <a16:creationId xmlns:a16="http://schemas.microsoft.com/office/drawing/2014/main" id="{4EBDCBBD-7FA9-7907-1268-E42C4BE52C35}"/>
               </a:ext>
             </a:extLst>
           </p:cNvPr>
@@ -1115,7 +1115,7 @@
           <p:cNvPr id="4" name="日期占位符 3">
             <a:extLst>
               <a:ext uri="{FF2B5EF4-FFF2-40B4-BE49-F238E27FC236}">
-                <a16:creationId xmlns:a16="http://schemas.microsoft.com/office/drawing/2014/main" id="{00CED179-BA74-6551-6100-58BB698A857A}"/>
+                <a16:creationId xmlns:a16="http://schemas.microsoft.com/office/drawing/2014/main" id="{8C10AF49-27D2-D676-2695-4F84C719E3A1}"/>
               </a:ext>
             </a:extLst>
           </p:cNvPr>
@@ -1131,7 +1131,7 @@
           <a:bodyPr/>
           <a:lstStyle/>
           <a:p>
-            <a:fld id="{7299DA07-A624-4F8F-A97B-FB0DCDEC74FD}" type="datetimeFigureOut">
+            <a:fld id="{ACA338A1-D5B0-4A49-8A13-7D2DB96BB509}" type="datetimeFigureOut">
               <a:rPr lang="zh-CN" altLang="en-US" smtClean="0"/>
               <a:t>2024/3/10</a:t>
             </a:fld>
@@ -1144,7 +1144,7 @@
           <p:cNvPr id="5" name="页脚占位符 4">
             <a:extLst>
               <a:ext uri="{FF2B5EF4-FFF2-40B4-BE49-F238E27FC236}">
-                <a16:creationId xmlns:a16="http://schemas.microsoft.com/office/drawing/2014/main" id="{43098D56-8A5D-23B6-DD8A-23422F02DD02}"/>
+                <a16:creationId xmlns:a16="http://schemas.microsoft.com/office/drawing/2014/main" id="{C93CF9D8-9576-2913-E832-276AFDF79FED}"/>
               </a:ext>
             </a:extLst>
           </p:cNvPr>
@@ -1169,7 +1169,7 @@
           <p:cNvPr id="6" name="灯片编号占位符 5">
             <a:extLst>
               <a:ext uri="{FF2B5EF4-FFF2-40B4-BE49-F238E27FC236}">
-                <a16:creationId xmlns:a16="http://schemas.microsoft.com/office/drawing/2014/main" id="{20250FB3-8817-06CE-CE0F-D8E374EBD49F}"/>
+                <a16:creationId xmlns:a16="http://schemas.microsoft.com/office/drawing/2014/main" id="{2193B9DF-FE6E-92A4-2C57-F370C7FF5FB1}"/>
               </a:ext>
             </a:extLst>
           </p:cNvPr>
@@ -1185,7 +1185,7 @@
           <a:bodyPr/>
           <a:lstStyle/>
           <a:p>
-            <a:fld id="{62CEFD42-D30B-4DC9-8717-4A583F103464}" type="slidenum">
+            <a:fld id="{5CA466EA-1709-4B89-849E-6F5C38BAE6AB}" type="slidenum">
               <a:rPr lang="zh-CN" altLang="en-US" smtClean="0"/>
               <a:t>‹#›</a:t>
             </a:fld>
@@ -1196,7 +1196,7 @@
     </p:spTree>
     <p:extLst>
       <p:ext uri="{BB962C8B-B14F-4D97-AF65-F5344CB8AC3E}">
-        <p14:creationId xmlns:p14="http://schemas.microsoft.com/office/powerpoint/2010/main" val="3397705462"/>
+        <p14:creationId xmlns:p14="http://schemas.microsoft.com/office/powerpoint/2010/main" val="1571692950"/>
       </p:ext>
     </p:extLst>
   </p:cSld>
@@ -1228,7 +1228,7 @@
           <p:cNvPr id="2" name="标题 1">
             <a:extLst>
               <a:ext uri="{FF2B5EF4-FFF2-40B4-BE49-F238E27FC236}">
-                <a16:creationId xmlns:a16="http://schemas.microsoft.com/office/drawing/2014/main" id="{28E7DF19-354A-6ABC-92C7-2FE81BCF0BFF}"/>
+                <a16:creationId xmlns:a16="http://schemas.microsoft.com/office/drawing/2014/main" id="{6BF37632-7F2F-0C15-0EC2-1840EB605FDE}"/>
               </a:ext>
             </a:extLst>
           </p:cNvPr>
@@ -1256,7 +1256,7 @@
           <p:cNvPr id="3" name="内容占位符 2">
             <a:extLst>
               <a:ext uri="{FF2B5EF4-FFF2-40B4-BE49-F238E27FC236}">
-                <a16:creationId xmlns:a16="http://schemas.microsoft.com/office/drawing/2014/main" id="{09386B71-3179-9057-0C47-0E0BD99319FF}"/>
+                <a16:creationId xmlns:a16="http://schemas.microsoft.com/office/drawing/2014/main" id="{73C49BFC-6CB6-0AD1-64E1-E28CDD831C2C}"/>
               </a:ext>
             </a:extLst>
           </p:cNvPr>
@@ -1318,7 +1318,7 @@
           <p:cNvPr id="4" name="内容占位符 3">
             <a:extLst>
               <a:ext uri="{FF2B5EF4-FFF2-40B4-BE49-F238E27FC236}">
-                <a16:creationId xmlns:a16="http://schemas.microsoft.com/office/drawing/2014/main" id="{FFD97881-19BD-62CF-46FA-2B42B58D2C77}"/>
+                <a16:creationId xmlns:a16="http://schemas.microsoft.com/office/drawing/2014/main" id="{3E1EC573-3C6B-34A1-A950-0A0241433BC9}"/>
               </a:ext>
             </a:extLst>
           </p:cNvPr>
@@ -1380,7 +1380,7 @@
           <p:cNvPr id="5" name="日期占位符 4">
             <a:extLst>
               <a:ext uri="{FF2B5EF4-FFF2-40B4-BE49-F238E27FC236}">
-                <a16:creationId xmlns:a16="http://schemas.microsoft.com/office/drawing/2014/main" id="{D21D253D-AA86-68F4-9775-7B2CF6124A3E}"/>
+                <a16:creationId xmlns:a16="http://schemas.microsoft.com/office/drawing/2014/main" id="{8DEDE8CE-FA0C-782F-D772-F4FFA9A1F211}"/>
               </a:ext>
             </a:extLst>
           </p:cNvPr>
@@ -1396,7 +1396,7 @@
           <a:bodyPr/>
           <a:lstStyle/>
           <a:p>
-            <a:fld id="{7299DA07-A624-4F8F-A97B-FB0DCDEC74FD}" type="datetimeFigureOut">
+            <a:fld id="{ACA338A1-D5B0-4A49-8A13-7D2DB96BB509}" type="datetimeFigureOut">
               <a:rPr lang="zh-CN" altLang="en-US" smtClean="0"/>
               <a:t>2024/3/10</a:t>
             </a:fld>
@@ -1409,7 +1409,7 @@
           <p:cNvPr id="6" name="页脚占位符 5">
             <a:extLst>
               <a:ext uri="{FF2B5EF4-FFF2-40B4-BE49-F238E27FC236}">
-                <a16:creationId xmlns:a16="http://schemas.microsoft.com/office/drawing/2014/main" id="{D5CF3E6D-C5F9-7F3D-9E0B-0DE7C0623A43}"/>
+                <a16:creationId xmlns:a16="http://schemas.microsoft.com/office/drawing/2014/main" id="{C7C66F4F-8AD2-97B0-8CC0-1C34B20E0ED5}"/>
               </a:ext>
             </a:extLst>
           </p:cNvPr>
@@ -1434,7 +1434,7 @@
           <p:cNvPr id="7" name="灯片编号占位符 6">
             <a:extLst>
               <a:ext uri="{FF2B5EF4-FFF2-40B4-BE49-F238E27FC236}">
-                <a16:creationId xmlns:a16="http://schemas.microsoft.com/office/drawing/2014/main" id="{301E4859-F346-11CA-5ACC-0B658A13E96A}"/>
+                <a16:creationId xmlns:a16="http://schemas.microsoft.com/office/drawing/2014/main" id="{6A028D13-5171-82C8-9971-F0B435A9D130}"/>
               </a:ext>
             </a:extLst>
           </p:cNvPr>
@@ -1450,7 +1450,7 @@
           <a:bodyPr/>
           <a:lstStyle/>
           <a:p>
-            <a:fld id="{62CEFD42-D30B-4DC9-8717-4A583F103464}" type="slidenum">
+            <a:fld id="{5CA466EA-1709-4B89-849E-6F5C38BAE6AB}" type="slidenum">
               <a:rPr lang="zh-CN" altLang="en-US" smtClean="0"/>
               <a:t>‹#›</a:t>
             </a:fld>
@@ -1461,7 +1461,7 @@
     </p:spTree>
     <p:extLst>
       <p:ext uri="{BB962C8B-B14F-4D97-AF65-F5344CB8AC3E}">
-        <p14:creationId xmlns:p14="http://schemas.microsoft.com/office/powerpoint/2010/main" val="2746738697"/>
+        <p14:creationId xmlns:p14="http://schemas.microsoft.com/office/powerpoint/2010/main" val="4238230822"/>
       </p:ext>
     </p:extLst>
   </p:cSld>
@@ -1493,7 +1493,7 @@
           <p:cNvPr id="2" name="标题 1">
             <a:extLst>
               <a:ext uri="{FF2B5EF4-FFF2-40B4-BE49-F238E27FC236}">
-                <a16:creationId xmlns:a16="http://schemas.microsoft.com/office/drawing/2014/main" id="{69E3A8C2-E82A-F1CC-4051-1901C676EE5A}"/>
+                <a16:creationId xmlns:a16="http://schemas.microsoft.com/office/drawing/2014/main" id="{8519A6BB-A804-DDC6-13F9-42A70C188396}"/>
               </a:ext>
             </a:extLst>
           </p:cNvPr>
@@ -1526,7 +1526,7 @@
           <p:cNvPr id="3" name="文本占位符 2">
             <a:extLst>
               <a:ext uri="{FF2B5EF4-FFF2-40B4-BE49-F238E27FC236}">
-                <a16:creationId xmlns:a16="http://schemas.microsoft.com/office/drawing/2014/main" id="{32838198-F670-3BA4-E6BE-216B7FAB14F7}"/>
+                <a16:creationId xmlns:a16="http://schemas.microsoft.com/office/drawing/2014/main" id="{17DCE9D9-6FDB-F288-363A-8FF43869FF57}"/>
               </a:ext>
             </a:extLst>
           </p:cNvPr>
@@ -1597,7 +1597,7 @@
           <p:cNvPr id="4" name="内容占位符 3">
             <a:extLst>
               <a:ext uri="{FF2B5EF4-FFF2-40B4-BE49-F238E27FC236}">
-                <a16:creationId xmlns:a16="http://schemas.microsoft.com/office/drawing/2014/main" id="{880CB195-603B-A781-ABDE-D5654968A34E}"/>
+                <a16:creationId xmlns:a16="http://schemas.microsoft.com/office/drawing/2014/main" id="{7130BC2D-7E46-4098-1577-2B68612D85D6}"/>
               </a:ext>
             </a:extLst>
           </p:cNvPr>
@@ -1659,7 +1659,7 @@
           <p:cNvPr id="5" name="文本占位符 4">
             <a:extLst>
               <a:ext uri="{FF2B5EF4-FFF2-40B4-BE49-F238E27FC236}">
-                <a16:creationId xmlns:a16="http://schemas.microsoft.com/office/drawing/2014/main" id="{5CB85BE0-4BE7-91DC-2ABF-352B32E62426}"/>
+                <a16:creationId xmlns:a16="http://schemas.microsoft.com/office/drawing/2014/main" id="{619D2EE6-967E-087E-DD2C-8D317D98C398}"/>
               </a:ext>
             </a:extLst>
           </p:cNvPr>
@@ -1730,7 +1730,7 @@
           <p:cNvPr id="6" name="内容占位符 5">
             <a:extLst>
               <a:ext uri="{FF2B5EF4-FFF2-40B4-BE49-F238E27FC236}">
-                <a16:creationId xmlns:a16="http://schemas.microsoft.com/office/drawing/2014/main" id="{868EB39E-2626-61D9-ED4A-3C7CBBF1AE4F}"/>
+                <a16:creationId xmlns:a16="http://schemas.microsoft.com/office/drawing/2014/main" id="{8240B680-0293-3DB1-6B58-28892CB62A58}"/>
               </a:ext>
             </a:extLst>
           </p:cNvPr>
@@ -1792,7 +1792,7 @@
           <p:cNvPr id="7" name="日期占位符 6">
             <a:extLst>
               <a:ext uri="{FF2B5EF4-FFF2-40B4-BE49-F238E27FC236}">
-                <a16:creationId xmlns:a16="http://schemas.microsoft.com/office/drawing/2014/main" id="{8E88F343-909E-D464-1B2D-9C5B1277F2E2}"/>
+                <a16:creationId xmlns:a16="http://schemas.microsoft.com/office/drawing/2014/main" id="{41E48D6A-1D44-E545-82A7-1D5F5F2C719F}"/>
               </a:ext>
             </a:extLst>
           </p:cNvPr>
@@ -1808,7 +1808,7 @@
           <a:bodyPr/>
           <a:lstStyle/>
           <a:p>
-            <a:fld id="{7299DA07-A624-4F8F-A97B-FB0DCDEC74FD}" type="datetimeFigureOut">
+            <a:fld id="{ACA338A1-D5B0-4A49-8A13-7D2DB96BB509}" type="datetimeFigureOut">
               <a:rPr lang="zh-CN" altLang="en-US" smtClean="0"/>
               <a:t>2024/3/10</a:t>
             </a:fld>
@@ -1821,7 +1821,7 @@
           <p:cNvPr id="8" name="页脚占位符 7">
             <a:extLst>
               <a:ext uri="{FF2B5EF4-FFF2-40B4-BE49-F238E27FC236}">
-                <a16:creationId xmlns:a16="http://schemas.microsoft.com/office/drawing/2014/main" id="{E3ABD22E-6FA9-39CA-A592-404005657C60}"/>
+                <a16:creationId xmlns:a16="http://schemas.microsoft.com/office/drawing/2014/main" id="{CA8EE45D-86DA-3406-A380-A499A89EAC27}"/>
               </a:ext>
             </a:extLst>
           </p:cNvPr>
@@ -1846,7 +1846,7 @@
           <p:cNvPr id="9" name="灯片编号占位符 8">
             <a:extLst>
               <a:ext uri="{FF2B5EF4-FFF2-40B4-BE49-F238E27FC236}">
-                <a16:creationId xmlns:a16="http://schemas.microsoft.com/office/drawing/2014/main" id="{BB29B176-5ED2-1C16-856C-683E60C4FF45}"/>
+                <a16:creationId xmlns:a16="http://schemas.microsoft.com/office/drawing/2014/main" id="{8FD008BD-FD98-E894-507F-79B3493090BD}"/>
               </a:ext>
             </a:extLst>
           </p:cNvPr>
@@ -1862,7 +1862,7 @@
           <a:bodyPr/>
           <a:lstStyle/>
           <a:p>
-            <a:fld id="{62CEFD42-D30B-4DC9-8717-4A583F103464}" type="slidenum">
+            <a:fld id="{5CA466EA-1709-4B89-849E-6F5C38BAE6AB}" type="slidenum">
               <a:rPr lang="zh-CN" altLang="en-US" smtClean="0"/>
               <a:t>‹#›</a:t>
             </a:fld>
@@ -1873,7 +1873,7 @@
     </p:spTree>
     <p:extLst>
       <p:ext uri="{BB962C8B-B14F-4D97-AF65-F5344CB8AC3E}">
-        <p14:creationId xmlns:p14="http://schemas.microsoft.com/office/powerpoint/2010/main" val="460091890"/>
+        <p14:creationId xmlns:p14="http://schemas.microsoft.com/office/powerpoint/2010/main" val="664441184"/>
       </p:ext>
     </p:extLst>
   </p:cSld>
@@ -1905,7 +1905,7 @@
           <p:cNvPr id="2" name="标题 1">
             <a:extLst>
               <a:ext uri="{FF2B5EF4-FFF2-40B4-BE49-F238E27FC236}">
-                <a16:creationId xmlns:a16="http://schemas.microsoft.com/office/drawing/2014/main" id="{81C85A57-EB32-6741-1637-8DEECD223CF2}"/>
+                <a16:creationId xmlns:a16="http://schemas.microsoft.com/office/drawing/2014/main" id="{CBB0211B-0F2F-D4C1-CAA9-9A4C40445242}"/>
               </a:ext>
             </a:extLst>
           </p:cNvPr>
@@ -1933,7 +1933,7 @@
           <p:cNvPr id="3" name="日期占位符 2">
             <a:extLst>
               <a:ext uri="{FF2B5EF4-FFF2-40B4-BE49-F238E27FC236}">
-                <a16:creationId xmlns:a16="http://schemas.microsoft.com/office/drawing/2014/main" id="{CB995D05-6F87-0B67-EE60-CDF59BADC88D}"/>
+                <a16:creationId xmlns:a16="http://schemas.microsoft.com/office/drawing/2014/main" id="{6D26AA52-F95B-6F1E-3E69-9DD859B7F425}"/>
               </a:ext>
             </a:extLst>
           </p:cNvPr>
@@ -1949,7 +1949,7 @@
           <a:bodyPr/>
           <a:lstStyle/>
           <a:p>
-            <a:fld id="{7299DA07-A624-4F8F-A97B-FB0DCDEC74FD}" type="datetimeFigureOut">
+            <a:fld id="{ACA338A1-D5B0-4A49-8A13-7D2DB96BB509}" type="datetimeFigureOut">
               <a:rPr lang="zh-CN" altLang="en-US" smtClean="0"/>
               <a:t>2024/3/10</a:t>
             </a:fld>
@@ -1962,7 +1962,7 @@
           <p:cNvPr id="4" name="页脚占位符 3">
             <a:extLst>
               <a:ext uri="{FF2B5EF4-FFF2-40B4-BE49-F238E27FC236}">
-                <a16:creationId xmlns:a16="http://schemas.microsoft.com/office/drawing/2014/main" id="{F792EF98-5701-7693-1F9F-7FB648C4E5D8}"/>
+                <a16:creationId xmlns:a16="http://schemas.microsoft.com/office/drawing/2014/main" id="{1956DE6A-C31C-ABC7-81A2-26C8E32ED691}"/>
               </a:ext>
             </a:extLst>
           </p:cNvPr>
@@ -1987,7 +1987,7 @@
           <p:cNvPr id="5" name="灯片编号占位符 4">
             <a:extLst>
               <a:ext uri="{FF2B5EF4-FFF2-40B4-BE49-F238E27FC236}">
-                <a16:creationId xmlns:a16="http://schemas.microsoft.com/office/drawing/2014/main" id="{937200F4-3C23-E995-8ECB-3B25D818A783}"/>
+                <a16:creationId xmlns:a16="http://schemas.microsoft.com/office/drawing/2014/main" id="{CDA775FB-C948-0A4A-05DB-6288D9BBCDC6}"/>
               </a:ext>
             </a:extLst>
           </p:cNvPr>
@@ -2003,7 +2003,7 @@
           <a:bodyPr/>
           <a:lstStyle/>
           <a:p>
-            <a:fld id="{62CEFD42-D30B-4DC9-8717-4A583F103464}" type="slidenum">
+            <a:fld id="{5CA466EA-1709-4B89-849E-6F5C38BAE6AB}" type="slidenum">
               <a:rPr lang="zh-CN" altLang="en-US" smtClean="0"/>
               <a:t>‹#›</a:t>
             </a:fld>
@@ -2014,7 +2014,7 @@
     </p:spTree>
     <p:extLst>
       <p:ext uri="{BB962C8B-B14F-4D97-AF65-F5344CB8AC3E}">
-        <p14:creationId xmlns:p14="http://schemas.microsoft.com/office/powerpoint/2010/main" val="140337963"/>
+        <p14:creationId xmlns:p14="http://schemas.microsoft.com/office/powerpoint/2010/main" val="4274181315"/>
       </p:ext>
     </p:extLst>
   </p:cSld>
@@ -2046,7 +2046,7 @@
           <p:cNvPr id="2" name="日期占位符 1">
             <a:extLst>
               <a:ext uri="{FF2B5EF4-FFF2-40B4-BE49-F238E27FC236}">
-                <a16:creationId xmlns:a16="http://schemas.microsoft.com/office/drawing/2014/main" id="{6340B5C8-FC4B-F922-55E8-D1BB6F03B133}"/>
+                <a16:creationId xmlns:a16="http://schemas.microsoft.com/office/drawing/2014/main" id="{9D8E0B38-A4C5-8FE3-E001-ECC79C50C41B}"/>
               </a:ext>
             </a:extLst>
           </p:cNvPr>
@@ -2062,7 +2062,7 @@
           <a:bodyPr/>
           <a:lstStyle/>
           <a:p>
-            <a:fld id="{7299DA07-A624-4F8F-A97B-FB0DCDEC74FD}" type="datetimeFigureOut">
+            <a:fld id="{ACA338A1-D5B0-4A49-8A13-7D2DB96BB509}" type="datetimeFigureOut">
               <a:rPr lang="zh-CN" altLang="en-US" smtClean="0"/>
               <a:t>2024/3/10</a:t>
             </a:fld>
@@ -2075,7 +2075,7 @@
           <p:cNvPr id="3" name="页脚占位符 2">
             <a:extLst>
               <a:ext uri="{FF2B5EF4-FFF2-40B4-BE49-F238E27FC236}">
-                <a16:creationId xmlns:a16="http://schemas.microsoft.com/office/drawing/2014/main" id="{F876C634-2187-6003-DAF4-22C4ABB2EEFE}"/>
+                <a16:creationId xmlns:a16="http://schemas.microsoft.com/office/drawing/2014/main" id="{C2180D5A-C6DE-22D9-9234-D181EC3DE774}"/>
               </a:ext>
             </a:extLst>
           </p:cNvPr>
@@ -2100,7 +2100,7 @@
           <p:cNvPr id="4" name="灯片编号占位符 3">
             <a:extLst>
               <a:ext uri="{FF2B5EF4-FFF2-40B4-BE49-F238E27FC236}">
-                <a16:creationId xmlns:a16="http://schemas.microsoft.com/office/drawing/2014/main" id="{3EC1EF16-2FD5-66AC-0DCD-9EBE76276913}"/>
+                <a16:creationId xmlns:a16="http://schemas.microsoft.com/office/drawing/2014/main" id="{5557C85F-64B0-068B-8FDC-0D849C217966}"/>
               </a:ext>
             </a:extLst>
           </p:cNvPr>
@@ -2116,7 +2116,7 @@
           <a:bodyPr/>
           <a:lstStyle/>
           <a:p>
-            <a:fld id="{62CEFD42-D30B-4DC9-8717-4A583F103464}" type="slidenum">
+            <a:fld id="{5CA466EA-1709-4B89-849E-6F5C38BAE6AB}" type="slidenum">
               <a:rPr lang="zh-CN" altLang="en-US" smtClean="0"/>
               <a:t>‹#›</a:t>
             </a:fld>
@@ -2127,7 +2127,7 @@
     </p:spTree>
     <p:extLst>
       <p:ext uri="{BB962C8B-B14F-4D97-AF65-F5344CB8AC3E}">
-        <p14:creationId xmlns:p14="http://schemas.microsoft.com/office/powerpoint/2010/main" val="2388634913"/>
+        <p14:creationId xmlns:p14="http://schemas.microsoft.com/office/powerpoint/2010/main" val="3940361989"/>
       </p:ext>
     </p:extLst>
   </p:cSld>
@@ -2159,7 +2159,7 @@
           <p:cNvPr id="2" name="标题 1">
             <a:extLst>
               <a:ext uri="{FF2B5EF4-FFF2-40B4-BE49-F238E27FC236}">
-                <a16:creationId xmlns:a16="http://schemas.microsoft.com/office/drawing/2014/main" id="{B53488C6-7C16-A7AF-9B52-5CCC941203A1}"/>
+                <a16:creationId xmlns:a16="http://schemas.microsoft.com/office/drawing/2014/main" id="{5CEFCF36-681D-61BA-2C6F-929C1013308C}"/>
               </a:ext>
             </a:extLst>
           </p:cNvPr>
@@ -2196,7 +2196,7 @@
           <p:cNvPr id="3" name="内容占位符 2">
             <a:extLst>
               <a:ext uri="{FF2B5EF4-FFF2-40B4-BE49-F238E27FC236}">
-                <a16:creationId xmlns:a16="http://schemas.microsoft.com/office/drawing/2014/main" id="{54F46AA4-B894-C90A-052B-BD8628B9AB31}"/>
+                <a16:creationId xmlns:a16="http://schemas.microsoft.com/office/drawing/2014/main" id="{2E495EF9-51FB-54C0-A96C-08C523DF98C7}"/>
               </a:ext>
             </a:extLst>
           </p:cNvPr>
@@ -2286,7 +2286,7 @@
           <p:cNvPr id="4" name="文本占位符 3">
             <a:extLst>
               <a:ext uri="{FF2B5EF4-FFF2-40B4-BE49-F238E27FC236}">
-                <a16:creationId xmlns:a16="http://schemas.microsoft.com/office/drawing/2014/main" id="{260CB1B3-135B-665D-E229-DB9A5F41BD7B}"/>
+                <a16:creationId xmlns:a16="http://schemas.microsoft.com/office/drawing/2014/main" id="{7B1D13E4-1B76-E76F-AF4D-D87630FE97B3}"/>
               </a:ext>
             </a:extLst>
           </p:cNvPr>
@@ -2357,7 +2357,7 @@
           <p:cNvPr id="5" name="日期占位符 4">
             <a:extLst>
               <a:ext uri="{FF2B5EF4-FFF2-40B4-BE49-F238E27FC236}">
-                <a16:creationId xmlns:a16="http://schemas.microsoft.com/office/drawing/2014/main" id="{45ABA8DC-9F68-98F8-CAE9-50F9F17DB5DA}"/>
+                <a16:creationId xmlns:a16="http://schemas.microsoft.com/office/drawing/2014/main" id="{ECFDFC0F-BDE7-556D-21C1-4CDB3834ECBF}"/>
               </a:ext>
             </a:extLst>
           </p:cNvPr>
@@ -2373,7 +2373,7 @@
           <a:bodyPr/>
           <a:lstStyle/>
           <a:p>
-            <a:fld id="{7299DA07-A624-4F8F-A97B-FB0DCDEC74FD}" type="datetimeFigureOut">
+            <a:fld id="{ACA338A1-D5B0-4A49-8A13-7D2DB96BB509}" type="datetimeFigureOut">
               <a:rPr lang="zh-CN" altLang="en-US" smtClean="0"/>
               <a:t>2024/3/10</a:t>
             </a:fld>
@@ -2386,7 +2386,7 @@
           <p:cNvPr id="6" name="页脚占位符 5">
             <a:extLst>
               <a:ext uri="{FF2B5EF4-FFF2-40B4-BE49-F238E27FC236}">
-                <a16:creationId xmlns:a16="http://schemas.microsoft.com/office/drawing/2014/main" id="{37F80B90-EA8C-1F30-8B2E-58E700337D42}"/>
+                <a16:creationId xmlns:a16="http://schemas.microsoft.com/office/drawing/2014/main" id="{92D97D85-5CB5-11EC-2683-0ACC51DD125A}"/>
               </a:ext>
             </a:extLst>
           </p:cNvPr>
@@ -2411,7 +2411,7 @@
           <p:cNvPr id="7" name="灯片编号占位符 6">
             <a:extLst>
               <a:ext uri="{FF2B5EF4-FFF2-40B4-BE49-F238E27FC236}">
-                <a16:creationId xmlns:a16="http://schemas.microsoft.com/office/drawing/2014/main" id="{ABCDEB8C-4374-7528-E818-BDE64833B2B7}"/>
+                <a16:creationId xmlns:a16="http://schemas.microsoft.com/office/drawing/2014/main" id="{BC1518E6-7E4E-F52E-AFF8-46E6EED50A25}"/>
               </a:ext>
             </a:extLst>
           </p:cNvPr>
@@ -2427,7 +2427,7 @@
           <a:bodyPr/>
           <a:lstStyle/>
           <a:p>
-            <a:fld id="{62CEFD42-D30B-4DC9-8717-4A583F103464}" type="slidenum">
+            <a:fld id="{5CA466EA-1709-4B89-849E-6F5C38BAE6AB}" type="slidenum">
               <a:rPr lang="zh-CN" altLang="en-US" smtClean="0"/>
               <a:t>‹#›</a:t>
             </a:fld>
@@ -2438,7 +2438,7 @@
     </p:spTree>
     <p:extLst>
       <p:ext uri="{BB962C8B-B14F-4D97-AF65-F5344CB8AC3E}">
-        <p14:creationId xmlns:p14="http://schemas.microsoft.com/office/powerpoint/2010/main" val="2367001128"/>
+        <p14:creationId xmlns:p14="http://schemas.microsoft.com/office/powerpoint/2010/main" val="965448401"/>
       </p:ext>
     </p:extLst>
   </p:cSld>
@@ -2470,7 +2470,7 @@
           <p:cNvPr id="2" name="标题 1">
             <a:extLst>
               <a:ext uri="{FF2B5EF4-FFF2-40B4-BE49-F238E27FC236}">
-                <a16:creationId xmlns:a16="http://schemas.microsoft.com/office/drawing/2014/main" id="{FE24E9C2-DB02-5AF2-5526-B3C2971A8157}"/>
+                <a16:creationId xmlns:a16="http://schemas.microsoft.com/office/drawing/2014/main" id="{F8D1F972-60D5-40AB-04B6-127FC4FF905D}"/>
               </a:ext>
             </a:extLst>
           </p:cNvPr>
@@ -2507,7 +2507,7 @@
           <p:cNvPr id="3" name="图片占位符 2">
             <a:extLst>
               <a:ext uri="{FF2B5EF4-FFF2-40B4-BE49-F238E27FC236}">
-                <a16:creationId xmlns:a16="http://schemas.microsoft.com/office/drawing/2014/main" id="{852DE77B-19FC-227B-A62F-AF32BE3B8C11}"/>
+                <a16:creationId xmlns:a16="http://schemas.microsoft.com/office/drawing/2014/main" id="{F1678872-FDBA-4D87-2D40-FB0566CD0917}"/>
               </a:ext>
             </a:extLst>
           </p:cNvPr>
@@ -2574,7 +2574,7 @@
           <p:cNvPr id="4" name="文本占位符 3">
             <a:extLst>
               <a:ext uri="{FF2B5EF4-FFF2-40B4-BE49-F238E27FC236}">
-                <a16:creationId xmlns:a16="http://schemas.microsoft.com/office/drawing/2014/main" id="{6720F162-2929-1E30-F5B0-9237100C3846}"/>
+                <a16:creationId xmlns:a16="http://schemas.microsoft.com/office/drawing/2014/main" id="{02586CF2-400E-021D-91FA-E90A25EE6FBA}"/>
               </a:ext>
             </a:extLst>
           </p:cNvPr>
@@ -2645,7 +2645,7 @@
           <p:cNvPr id="5" name="日期占位符 4">
             <a:extLst>
               <a:ext uri="{FF2B5EF4-FFF2-40B4-BE49-F238E27FC236}">
-                <a16:creationId xmlns:a16="http://schemas.microsoft.com/office/drawing/2014/main" id="{6C11BBE9-59E9-FDE1-3E0F-C4633EB59BDD}"/>
+                <a16:creationId xmlns:a16="http://schemas.microsoft.com/office/drawing/2014/main" id="{C2D49227-2E91-DB62-893F-785A382B9689}"/>
               </a:ext>
             </a:extLst>
           </p:cNvPr>
@@ -2661,7 +2661,7 @@
           <a:bodyPr/>
           <a:lstStyle/>
           <a:p>
-            <a:fld id="{7299DA07-A624-4F8F-A97B-FB0DCDEC74FD}" type="datetimeFigureOut">
+            <a:fld id="{ACA338A1-D5B0-4A49-8A13-7D2DB96BB509}" type="datetimeFigureOut">
               <a:rPr lang="zh-CN" altLang="en-US" smtClean="0"/>
               <a:t>2024/3/10</a:t>
             </a:fld>
@@ -2674,7 +2674,7 @@
           <p:cNvPr id="6" name="页脚占位符 5">
             <a:extLst>
               <a:ext uri="{FF2B5EF4-FFF2-40B4-BE49-F238E27FC236}">
-                <a16:creationId xmlns:a16="http://schemas.microsoft.com/office/drawing/2014/main" id="{9FB82881-2EE8-B853-BFB2-00D176B0562B}"/>
+                <a16:creationId xmlns:a16="http://schemas.microsoft.com/office/drawing/2014/main" id="{14C9CD73-2AA8-270C-247C-B6C716C4F335}"/>
               </a:ext>
             </a:extLst>
           </p:cNvPr>
@@ -2699,7 +2699,7 @@
           <p:cNvPr id="7" name="灯片编号占位符 6">
             <a:extLst>
               <a:ext uri="{FF2B5EF4-FFF2-40B4-BE49-F238E27FC236}">
-                <a16:creationId xmlns:a16="http://schemas.microsoft.com/office/drawing/2014/main" id="{89862BE9-5406-137C-7AA0-B3349ECD6A15}"/>
+                <a16:creationId xmlns:a16="http://schemas.microsoft.com/office/drawing/2014/main" id="{22A1B444-48CC-87C4-9F68-F483E738F10F}"/>
               </a:ext>
             </a:extLst>
           </p:cNvPr>
@@ -2715,7 +2715,7 @@
           <a:bodyPr/>
           <a:lstStyle/>
           <a:p>
-            <a:fld id="{62CEFD42-D30B-4DC9-8717-4A583F103464}" type="slidenum">
+            <a:fld id="{5CA466EA-1709-4B89-849E-6F5C38BAE6AB}" type="slidenum">
               <a:rPr lang="zh-CN" altLang="en-US" smtClean="0"/>
               <a:t>‹#›</a:t>
             </a:fld>
@@ -2726,7 +2726,7 @@
     </p:spTree>
     <p:extLst>
       <p:ext uri="{BB962C8B-B14F-4D97-AF65-F5344CB8AC3E}">
-        <p14:creationId xmlns:p14="http://schemas.microsoft.com/office/powerpoint/2010/main" val="1764097862"/>
+        <p14:creationId xmlns:p14="http://schemas.microsoft.com/office/powerpoint/2010/main" val="667921054"/>
       </p:ext>
     </p:extLst>
   </p:cSld>
@@ -2763,7 +2763,7 @@
           <p:cNvPr id="2" name="标题占位符 1">
             <a:extLst>
               <a:ext uri="{FF2B5EF4-FFF2-40B4-BE49-F238E27FC236}">
-                <a16:creationId xmlns:a16="http://schemas.microsoft.com/office/drawing/2014/main" id="{6E0BB502-5504-EA2F-98AD-40D3BE1AF97A}"/>
+                <a16:creationId xmlns:a16="http://schemas.microsoft.com/office/drawing/2014/main" id="{40D531BC-6BE4-3C71-F623-7333F507B7CB}"/>
               </a:ext>
             </a:extLst>
           </p:cNvPr>
@@ -2801,7 +2801,7 @@
           <p:cNvPr id="3" name="文本占位符 2">
             <a:extLst>
               <a:ext uri="{FF2B5EF4-FFF2-40B4-BE49-F238E27FC236}">
-                <a16:creationId xmlns:a16="http://schemas.microsoft.com/office/drawing/2014/main" id="{76A4ECE6-66C9-1FC8-9C5C-92AB86613E18}"/>
+                <a16:creationId xmlns:a16="http://schemas.microsoft.com/office/drawing/2014/main" id="{61066A36-EF83-23E5-4800-3DEC78839BF5}"/>
               </a:ext>
             </a:extLst>
           </p:cNvPr>
@@ -2868,7 +2868,7 @@
           <p:cNvPr id="4" name="日期占位符 3">
             <a:extLst>
               <a:ext uri="{FF2B5EF4-FFF2-40B4-BE49-F238E27FC236}">
-                <a16:creationId xmlns:a16="http://schemas.microsoft.com/office/drawing/2014/main" id="{1F26D969-6308-FB9F-02A4-F685565B3861}"/>
+                <a16:creationId xmlns:a16="http://schemas.microsoft.com/office/drawing/2014/main" id="{44FC1E53-EBFC-5CB6-4FDE-6E01953DF4FE}"/>
               </a:ext>
             </a:extLst>
           </p:cNvPr>
@@ -2902,7 +2902,7 @@
             </a:lvl1pPr>
           </a:lstStyle>
           <a:p>
-            <a:fld id="{7299DA07-A624-4F8F-A97B-FB0DCDEC74FD}" type="datetimeFigureOut">
+            <a:fld id="{ACA338A1-D5B0-4A49-8A13-7D2DB96BB509}" type="datetimeFigureOut">
               <a:rPr lang="zh-CN" altLang="en-US" smtClean="0"/>
               <a:t>2024/3/10</a:t>
             </a:fld>
@@ -2915,7 +2915,7 @@
           <p:cNvPr id="5" name="页脚占位符 4">
             <a:extLst>
               <a:ext uri="{FF2B5EF4-FFF2-40B4-BE49-F238E27FC236}">
-                <a16:creationId xmlns:a16="http://schemas.microsoft.com/office/drawing/2014/main" id="{A090AB12-7529-E094-82F8-87042497521D}"/>
+                <a16:creationId xmlns:a16="http://schemas.microsoft.com/office/drawing/2014/main" id="{CA805EDD-6D35-DEC0-81D1-E558D2A22355}"/>
               </a:ext>
             </a:extLst>
           </p:cNvPr>
@@ -2958,7 +2958,7 @@
           <p:cNvPr id="6" name="灯片编号占位符 5">
             <a:extLst>
               <a:ext uri="{FF2B5EF4-FFF2-40B4-BE49-F238E27FC236}">
-                <a16:creationId xmlns:a16="http://schemas.microsoft.com/office/drawing/2014/main" id="{AEFE52A4-359E-A243-267D-E7B73713974F}"/>
+                <a16:creationId xmlns:a16="http://schemas.microsoft.com/office/drawing/2014/main" id="{CF52568A-6B18-C00D-9253-0AF0B7E72B35}"/>
               </a:ext>
             </a:extLst>
           </p:cNvPr>
@@ -2992,7 +2992,7 @@
             </a:lvl1pPr>
           </a:lstStyle>
           <a:p>
-            <a:fld id="{62CEFD42-D30B-4DC9-8717-4A583F103464}" type="slidenum">
+            <a:fld id="{5CA466EA-1709-4B89-849E-6F5C38BAE6AB}" type="slidenum">
               <a:rPr lang="zh-CN" altLang="en-US" smtClean="0"/>
               <a:t>‹#›</a:t>
             </a:fld>
@@ -3003,7 +3003,7 @@
     </p:spTree>
     <p:extLst>
       <p:ext uri="{BB962C8B-B14F-4D97-AF65-F5344CB8AC3E}">
-        <p14:creationId xmlns:p14="http://schemas.microsoft.com/office/powerpoint/2010/main" val="1513965988"/>
+        <p14:creationId xmlns:p14="http://schemas.microsoft.com/office/powerpoint/2010/main" val="3481304526"/>
       </p:ext>
     </p:extLst>
   </p:cSld>
@@ -3323,7 +3323,7 @@
       </p:grpSpPr>
       <p:pic>
         <p:nvPicPr>
-          <p:cNvPr id="518146" name="Picture 2" descr="505"/>
+          <p:cNvPr id="519170" name="Picture 2" descr="506"/>
           <p:cNvPicPr>
             <a:picLocks noChangeAspect="1" noChangeArrowheads="1"/>
           </p:cNvPicPr>
